--- a/Apresentação-CalcVelocLUZ.pptx
+++ b/Apresentação-CalcVelocLUZ.pptx
@@ -104,6 +104,22 @@
       </a:defRPr>
     </a:lvl9pPr>
   </p:defaultTextStyle>
+  <p:extLst>
+    <p:ext uri="{EFAFB233-063F-42B5-8137-9DF3F51BA10A}">
+      <p15:sldGuideLst xmlns:p15="http://schemas.microsoft.com/office/powerpoint/2012/main">
+        <p15:guide id="1" orient="horz" pos="2160">
+          <p15:clr>
+            <a:srgbClr val="A4A3A4"/>
+          </p15:clr>
+        </p15:guide>
+        <p15:guide id="2" pos="2880">
+          <p15:clr>
+            <a:srgbClr val="A4A3A4"/>
+          </p15:clr>
+        </p15:guide>
+      </p15:sldGuideLst>
+    </p:ext>
+  </p:extLst>
 </p:presentation>
 </file>
 
@@ -288,7 +304,7 @@
           <a:p>
             <a:fld id="{ACE47411-0A74-4074-8A9D-F1D25D25DCD9}" type="datetimeFigureOut">
               <a:rPr lang="pt-BR" smtClean="0"/>
-              <a:t>11/07/2016</a:t>
+              <a:t>24/08/2016</a:t>
             </a:fld>
             <a:endParaRPr lang="pt-BR"/>
           </a:p>
@@ -330,7 +346,7 @@
           <a:p>
             <a:fld id="{65035648-68AE-4516-831C-31FB909D5055}" type="slidenum">
               <a:rPr lang="pt-BR" smtClean="0"/>
-              <a:t>‹nº›</a:t>
+              <a:t>‹#›</a:t>
             </a:fld>
             <a:endParaRPr lang="pt-BR"/>
           </a:p>
@@ -458,7 +474,7 @@
           <a:p>
             <a:fld id="{ACE47411-0A74-4074-8A9D-F1D25D25DCD9}" type="datetimeFigureOut">
               <a:rPr lang="pt-BR" smtClean="0"/>
-              <a:t>11/07/2016</a:t>
+              <a:t>24/08/2016</a:t>
             </a:fld>
             <a:endParaRPr lang="pt-BR"/>
           </a:p>
@@ -500,7 +516,7 @@
           <a:p>
             <a:fld id="{65035648-68AE-4516-831C-31FB909D5055}" type="slidenum">
               <a:rPr lang="pt-BR" smtClean="0"/>
-              <a:t>‹nº›</a:t>
+              <a:t>‹#›</a:t>
             </a:fld>
             <a:endParaRPr lang="pt-BR"/>
           </a:p>
@@ -638,7 +654,7 @@
           <a:p>
             <a:fld id="{ACE47411-0A74-4074-8A9D-F1D25D25DCD9}" type="datetimeFigureOut">
               <a:rPr lang="pt-BR" smtClean="0"/>
-              <a:t>11/07/2016</a:t>
+              <a:t>24/08/2016</a:t>
             </a:fld>
             <a:endParaRPr lang="pt-BR"/>
           </a:p>
@@ -680,7 +696,7 @@
           <a:p>
             <a:fld id="{65035648-68AE-4516-831C-31FB909D5055}" type="slidenum">
               <a:rPr lang="pt-BR" smtClean="0"/>
-              <a:t>‹nº›</a:t>
+              <a:t>‹#›</a:t>
             </a:fld>
             <a:endParaRPr lang="pt-BR"/>
           </a:p>
@@ -808,7 +824,7 @@
           <a:p>
             <a:fld id="{ACE47411-0A74-4074-8A9D-F1D25D25DCD9}" type="datetimeFigureOut">
               <a:rPr lang="pt-BR" smtClean="0"/>
-              <a:t>11/07/2016</a:t>
+              <a:t>24/08/2016</a:t>
             </a:fld>
             <a:endParaRPr lang="pt-BR"/>
           </a:p>
@@ -850,7 +866,7 @@
           <a:p>
             <a:fld id="{65035648-68AE-4516-831C-31FB909D5055}" type="slidenum">
               <a:rPr lang="pt-BR" smtClean="0"/>
-              <a:t>‹nº›</a:t>
+              <a:t>‹#›</a:t>
             </a:fld>
             <a:endParaRPr lang="pt-BR"/>
           </a:p>
@@ -1054,7 +1070,7 @@
           <a:p>
             <a:fld id="{ACE47411-0A74-4074-8A9D-F1D25D25DCD9}" type="datetimeFigureOut">
               <a:rPr lang="pt-BR" smtClean="0"/>
-              <a:t>11/07/2016</a:t>
+              <a:t>24/08/2016</a:t>
             </a:fld>
             <a:endParaRPr lang="pt-BR"/>
           </a:p>
@@ -1096,7 +1112,7 @@
           <a:p>
             <a:fld id="{65035648-68AE-4516-831C-31FB909D5055}" type="slidenum">
               <a:rPr lang="pt-BR" smtClean="0"/>
-              <a:t>‹nº›</a:t>
+              <a:t>‹#›</a:t>
             </a:fld>
             <a:endParaRPr lang="pt-BR"/>
           </a:p>
@@ -1342,7 +1358,7 @@
           <a:p>
             <a:fld id="{ACE47411-0A74-4074-8A9D-F1D25D25DCD9}" type="datetimeFigureOut">
               <a:rPr lang="pt-BR" smtClean="0"/>
-              <a:t>11/07/2016</a:t>
+              <a:t>24/08/2016</a:t>
             </a:fld>
             <a:endParaRPr lang="pt-BR"/>
           </a:p>
@@ -1384,7 +1400,7 @@
           <a:p>
             <a:fld id="{65035648-68AE-4516-831C-31FB909D5055}" type="slidenum">
               <a:rPr lang="pt-BR" smtClean="0"/>
-              <a:t>‹nº›</a:t>
+              <a:t>‹#›</a:t>
             </a:fld>
             <a:endParaRPr lang="pt-BR"/>
           </a:p>
@@ -1764,7 +1780,7 @@
           <a:p>
             <a:fld id="{ACE47411-0A74-4074-8A9D-F1D25D25DCD9}" type="datetimeFigureOut">
               <a:rPr lang="pt-BR" smtClean="0"/>
-              <a:t>11/07/2016</a:t>
+              <a:t>24/08/2016</a:t>
             </a:fld>
             <a:endParaRPr lang="pt-BR"/>
           </a:p>
@@ -1806,7 +1822,7 @@
           <a:p>
             <a:fld id="{65035648-68AE-4516-831C-31FB909D5055}" type="slidenum">
               <a:rPr lang="pt-BR" smtClean="0"/>
-              <a:t>‹nº›</a:t>
+              <a:t>‹#›</a:t>
             </a:fld>
             <a:endParaRPr lang="pt-BR"/>
           </a:p>
@@ -1882,7 +1898,7 @@
           <a:p>
             <a:fld id="{ACE47411-0A74-4074-8A9D-F1D25D25DCD9}" type="datetimeFigureOut">
               <a:rPr lang="pt-BR" smtClean="0"/>
-              <a:t>11/07/2016</a:t>
+              <a:t>24/08/2016</a:t>
             </a:fld>
             <a:endParaRPr lang="pt-BR"/>
           </a:p>
@@ -1924,7 +1940,7 @@
           <a:p>
             <a:fld id="{65035648-68AE-4516-831C-31FB909D5055}" type="slidenum">
               <a:rPr lang="pt-BR" smtClean="0"/>
-              <a:t>‹nº›</a:t>
+              <a:t>‹#›</a:t>
             </a:fld>
             <a:endParaRPr lang="pt-BR"/>
           </a:p>
@@ -1977,7 +1993,7 @@
           <a:p>
             <a:fld id="{ACE47411-0A74-4074-8A9D-F1D25D25DCD9}" type="datetimeFigureOut">
               <a:rPr lang="pt-BR" smtClean="0"/>
-              <a:t>11/07/2016</a:t>
+              <a:t>24/08/2016</a:t>
             </a:fld>
             <a:endParaRPr lang="pt-BR"/>
           </a:p>
@@ -2019,7 +2035,7 @@
           <a:p>
             <a:fld id="{65035648-68AE-4516-831C-31FB909D5055}" type="slidenum">
               <a:rPr lang="pt-BR" smtClean="0"/>
-              <a:t>‹nº›</a:t>
+              <a:t>‹#›</a:t>
             </a:fld>
             <a:endParaRPr lang="pt-BR"/>
           </a:p>
@@ -2254,7 +2270,7 @@
           <a:p>
             <a:fld id="{ACE47411-0A74-4074-8A9D-F1D25D25DCD9}" type="datetimeFigureOut">
               <a:rPr lang="pt-BR" smtClean="0"/>
-              <a:t>11/07/2016</a:t>
+              <a:t>24/08/2016</a:t>
             </a:fld>
             <a:endParaRPr lang="pt-BR"/>
           </a:p>
@@ -2296,7 +2312,7 @@
           <a:p>
             <a:fld id="{65035648-68AE-4516-831C-31FB909D5055}" type="slidenum">
               <a:rPr lang="pt-BR" smtClean="0"/>
-              <a:t>‹nº›</a:t>
+              <a:t>‹#›</a:t>
             </a:fld>
             <a:endParaRPr lang="pt-BR"/>
           </a:p>
@@ -2507,7 +2523,7 @@
           <a:p>
             <a:fld id="{ACE47411-0A74-4074-8A9D-F1D25D25DCD9}" type="datetimeFigureOut">
               <a:rPr lang="pt-BR" smtClean="0"/>
-              <a:t>11/07/2016</a:t>
+              <a:t>24/08/2016</a:t>
             </a:fld>
             <a:endParaRPr lang="pt-BR"/>
           </a:p>
@@ -2549,7 +2565,7 @@
           <a:p>
             <a:fld id="{65035648-68AE-4516-831C-31FB909D5055}" type="slidenum">
               <a:rPr lang="pt-BR" smtClean="0"/>
-              <a:t>‹nº›</a:t>
+              <a:t>‹#›</a:t>
             </a:fld>
             <a:endParaRPr lang="pt-BR"/>
           </a:p>
@@ -2720,7 +2736,7 @@
           <a:p>
             <a:fld id="{ACE47411-0A74-4074-8A9D-F1D25D25DCD9}" type="datetimeFigureOut">
               <a:rPr lang="pt-BR" smtClean="0"/>
-              <a:t>11/07/2016</a:t>
+              <a:t>24/08/2016</a:t>
             </a:fld>
             <a:endParaRPr lang="pt-BR"/>
           </a:p>
@@ -2798,7 +2814,7 @@
           <a:p>
             <a:fld id="{65035648-68AE-4516-831C-31FB909D5055}" type="slidenum">
               <a:rPr lang="pt-BR" smtClean="0"/>
-              <a:t>‹nº›</a:t>
+              <a:t>‹#›</a:t>
             </a:fld>
             <a:endParaRPr lang="pt-BR"/>
           </a:p>
@@ -3081,6 +3097,14 @@
 <file path=ppt/slides/slide1.xml><?xml version="1.0" encoding="utf-8"?>
 <p:sld xmlns:a="http://schemas.openxmlformats.org/drawingml/2006/main" xmlns:r="http://schemas.openxmlformats.org/officeDocument/2006/relationships" xmlns:p="http://schemas.openxmlformats.org/presentationml/2006/main">
   <p:cSld>
+    <p:bg>
+      <p:bgPr>
+        <a:solidFill>
+          <a:srgbClr val="FFFF00"/>
+        </a:solidFill>
+        <a:effectLst/>
+      </p:bgPr>
+    </p:bg>
     <p:spTree>
       <p:nvGrpSpPr>
         <p:cNvPr id="1" name=""/>
@@ -3117,12 +3141,15 @@
         </p:blipFill>
         <p:spPr>
           <a:xfrm>
-            <a:off x="0" y="0"/>
-            <a:ext cx="9136177" cy="6858000"/>
+            <a:off x="755577" y="567167"/>
+            <a:ext cx="7170012" cy="5382114"/>
           </a:xfrm>
           <a:prstGeom prst="rect">
             <a:avLst/>
           </a:prstGeom>
+          <a:solidFill>
+            <a:srgbClr val="FFFF00"/>
+          </a:solidFill>
         </p:spPr>
       </p:pic>
     </p:spTree>
